--- a/Clustering_Model_mockup.pptx
+++ b/Clustering_Model_mockup.pptx
@@ -8,6 +8,8 @@
     <p:sldId id="256" r:id="rId2"/>
     <p:sldId id="257" r:id="rId3"/>
     <p:sldId id="258" r:id="rId4"/>
+    <p:sldId id="260" r:id="rId5"/>
+    <p:sldId id="261" r:id="rId6"/>
   </p:sldIdLst>
   <p:sldSz cx="12192000" cy="6858000"/>
   <p:notesSz cx="6858000" cy="9144000"/>
@@ -114,6 +116,8 @@
             <p14:sldId id="256"/>
             <p14:sldId id="257"/>
             <p14:sldId id="258"/>
+            <p14:sldId id="260"/>
+            <p14:sldId id="261"/>
           </p14:sldIdLst>
         </p14:section>
       </p14:sectionLst>
@@ -274,7 +278,7 @@
           <a:p>
             <a:fld id="{FB976BD0-6C01-4959-BC7B-4DCD2E7A8811}" type="datetimeFigureOut">
               <a:rPr lang="es-MX" smtClean="0"/>
-              <a:t>10/02/2022</a:t>
+              <a:t>13/02/2022</a:t>
             </a:fld>
             <a:endParaRPr lang="es-MX"/>
           </a:p>
@@ -328,7 +332,7 @@
           <a:p>
             <a:fld id="{F64559AA-DEBF-42B4-9856-6E28DC35C178}" type="slidenum">
               <a:rPr lang="es-MX" smtClean="0"/>
-              <a:t>‹Nº›</a:t>
+              <a:t>‹#›</a:t>
             </a:fld>
             <a:endParaRPr lang="es-MX"/>
           </a:p>
@@ -474,7 +478,7 @@
           <a:p>
             <a:fld id="{FB976BD0-6C01-4959-BC7B-4DCD2E7A8811}" type="datetimeFigureOut">
               <a:rPr lang="es-MX" smtClean="0"/>
-              <a:t>10/02/2022</a:t>
+              <a:t>13/02/2022</a:t>
             </a:fld>
             <a:endParaRPr lang="es-MX"/>
           </a:p>
@@ -528,7 +532,7 @@
           <a:p>
             <a:fld id="{F64559AA-DEBF-42B4-9856-6E28DC35C178}" type="slidenum">
               <a:rPr lang="es-MX" smtClean="0"/>
-              <a:t>‹Nº›</a:t>
+              <a:t>‹#›</a:t>
             </a:fld>
             <a:endParaRPr lang="es-MX"/>
           </a:p>
@@ -684,7 +688,7 @@
           <a:p>
             <a:fld id="{FB976BD0-6C01-4959-BC7B-4DCD2E7A8811}" type="datetimeFigureOut">
               <a:rPr lang="es-MX" smtClean="0"/>
-              <a:t>10/02/2022</a:t>
+              <a:t>13/02/2022</a:t>
             </a:fld>
             <a:endParaRPr lang="es-MX"/>
           </a:p>
@@ -738,7 +742,7 @@
           <a:p>
             <a:fld id="{F64559AA-DEBF-42B4-9856-6E28DC35C178}" type="slidenum">
               <a:rPr lang="es-MX" smtClean="0"/>
-              <a:t>‹Nº›</a:t>
+              <a:t>‹#›</a:t>
             </a:fld>
             <a:endParaRPr lang="es-MX"/>
           </a:p>
@@ -884,7 +888,7 @@
           <a:p>
             <a:fld id="{FB976BD0-6C01-4959-BC7B-4DCD2E7A8811}" type="datetimeFigureOut">
               <a:rPr lang="es-MX" smtClean="0"/>
-              <a:t>10/02/2022</a:t>
+              <a:t>13/02/2022</a:t>
             </a:fld>
             <a:endParaRPr lang="es-MX"/>
           </a:p>
@@ -938,7 +942,7 @@
           <a:p>
             <a:fld id="{F64559AA-DEBF-42B4-9856-6E28DC35C178}" type="slidenum">
               <a:rPr lang="es-MX" smtClean="0"/>
-              <a:t>‹Nº›</a:t>
+              <a:t>‹#›</a:t>
             </a:fld>
             <a:endParaRPr lang="es-MX"/>
           </a:p>
@@ -1160,7 +1164,7 @@
           <a:p>
             <a:fld id="{FB976BD0-6C01-4959-BC7B-4DCD2E7A8811}" type="datetimeFigureOut">
               <a:rPr lang="es-MX" smtClean="0"/>
-              <a:t>10/02/2022</a:t>
+              <a:t>13/02/2022</a:t>
             </a:fld>
             <a:endParaRPr lang="es-MX"/>
           </a:p>
@@ -1214,7 +1218,7 @@
           <a:p>
             <a:fld id="{F64559AA-DEBF-42B4-9856-6E28DC35C178}" type="slidenum">
               <a:rPr lang="es-MX" smtClean="0"/>
-              <a:t>‹Nº›</a:t>
+              <a:t>‹#›</a:t>
             </a:fld>
             <a:endParaRPr lang="es-MX"/>
           </a:p>
@@ -1428,7 +1432,7 @@
           <a:p>
             <a:fld id="{FB976BD0-6C01-4959-BC7B-4DCD2E7A8811}" type="datetimeFigureOut">
               <a:rPr lang="es-MX" smtClean="0"/>
-              <a:t>10/02/2022</a:t>
+              <a:t>13/02/2022</a:t>
             </a:fld>
             <a:endParaRPr lang="es-MX"/>
           </a:p>
@@ -1482,7 +1486,7 @@
           <a:p>
             <a:fld id="{F64559AA-DEBF-42B4-9856-6E28DC35C178}" type="slidenum">
               <a:rPr lang="es-MX" smtClean="0"/>
-              <a:t>‹Nº›</a:t>
+              <a:t>‹#›</a:t>
             </a:fld>
             <a:endParaRPr lang="es-MX"/>
           </a:p>
@@ -1843,7 +1847,7 @@
           <a:p>
             <a:fld id="{FB976BD0-6C01-4959-BC7B-4DCD2E7A8811}" type="datetimeFigureOut">
               <a:rPr lang="es-MX" smtClean="0"/>
-              <a:t>10/02/2022</a:t>
+              <a:t>13/02/2022</a:t>
             </a:fld>
             <a:endParaRPr lang="es-MX"/>
           </a:p>
@@ -1897,7 +1901,7 @@
           <a:p>
             <a:fld id="{F64559AA-DEBF-42B4-9856-6E28DC35C178}" type="slidenum">
               <a:rPr lang="es-MX" smtClean="0"/>
-              <a:t>‹Nº›</a:t>
+              <a:t>‹#›</a:t>
             </a:fld>
             <a:endParaRPr lang="es-MX"/>
           </a:p>
@@ -1985,7 +1989,7 @@
           <a:p>
             <a:fld id="{FB976BD0-6C01-4959-BC7B-4DCD2E7A8811}" type="datetimeFigureOut">
               <a:rPr lang="es-MX" smtClean="0"/>
-              <a:t>10/02/2022</a:t>
+              <a:t>13/02/2022</a:t>
             </a:fld>
             <a:endParaRPr lang="es-MX"/>
           </a:p>
@@ -2039,7 +2043,7 @@
           <a:p>
             <a:fld id="{F64559AA-DEBF-42B4-9856-6E28DC35C178}" type="slidenum">
               <a:rPr lang="es-MX" smtClean="0"/>
-              <a:t>‹Nº›</a:t>
+              <a:t>‹#›</a:t>
             </a:fld>
             <a:endParaRPr lang="es-MX"/>
           </a:p>
@@ -2098,7 +2102,7 @@
           <a:p>
             <a:fld id="{FB976BD0-6C01-4959-BC7B-4DCD2E7A8811}" type="datetimeFigureOut">
               <a:rPr lang="es-MX" smtClean="0"/>
-              <a:t>10/02/2022</a:t>
+              <a:t>13/02/2022</a:t>
             </a:fld>
             <a:endParaRPr lang="es-MX"/>
           </a:p>
@@ -2152,7 +2156,7 @@
           <a:p>
             <a:fld id="{F64559AA-DEBF-42B4-9856-6E28DC35C178}" type="slidenum">
               <a:rPr lang="es-MX" smtClean="0"/>
-              <a:t>‹Nº›</a:t>
+              <a:t>‹#›</a:t>
             </a:fld>
             <a:endParaRPr lang="es-MX"/>
           </a:p>
@@ -2411,7 +2415,7 @@
           <a:p>
             <a:fld id="{FB976BD0-6C01-4959-BC7B-4DCD2E7A8811}" type="datetimeFigureOut">
               <a:rPr lang="es-MX" smtClean="0"/>
-              <a:t>10/02/2022</a:t>
+              <a:t>13/02/2022</a:t>
             </a:fld>
             <a:endParaRPr lang="es-MX"/>
           </a:p>
@@ -2465,7 +2469,7 @@
           <a:p>
             <a:fld id="{F64559AA-DEBF-42B4-9856-6E28DC35C178}" type="slidenum">
               <a:rPr lang="es-MX" smtClean="0"/>
-              <a:t>‹Nº›</a:t>
+              <a:t>‹#›</a:t>
             </a:fld>
             <a:endParaRPr lang="es-MX"/>
           </a:p>
@@ -2700,7 +2704,7 @@
           <a:p>
             <a:fld id="{FB976BD0-6C01-4959-BC7B-4DCD2E7A8811}" type="datetimeFigureOut">
               <a:rPr lang="es-MX" smtClean="0"/>
-              <a:t>10/02/2022</a:t>
+              <a:t>13/02/2022</a:t>
             </a:fld>
             <a:endParaRPr lang="es-MX"/>
           </a:p>
@@ -2754,7 +2758,7 @@
           <a:p>
             <a:fld id="{F64559AA-DEBF-42B4-9856-6E28DC35C178}" type="slidenum">
               <a:rPr lang="es-MX" smtClean="0"/>
-              <a:t>‹Nº›</a:t>
+              <a:t>‹#›</a:t>
             </a:fld>
             <a:endParaRPr lang="es-MX"/>
           </a:p>
@@ -2943,7 +2947,7 @@
           <a:p>
             <a:fld id="{FB976BD0-6C01-4959-BC7B-4DCD2E7A8811}" type="datetimeFigureOut">
               <a:rPr lang="es-MX" smtClean="0"/>
-              <a:t>10/02/2022</a:t>
+              <a:t>13/02/2022</a:t>
             </a:fld>
             <a:endParaRPr lang="es-MX"/>
           </a:p>
@@ -3033,7 +3037,7 @@
           <a:p>
             <a:fld id="{F64559AA-DEBF-42B4-9856-6E28DC35C178}" type="slidenum">
               <a:rPr lang="es-MX" smtClean="0"/>
-              <a:t>‹Nº›</a:t>
+              <a:t>‹#›</a:t>
             </a:fld>
             <a:endParaRPr lang="es-MX"/>
           </a:p>
@@ -3382,8 +3386,8 @@
           <a:lstStyle/>
           <a:p>
             <a:r>
-              <a:rPr lang="en-US" b="1"/>
-              <a:t>Clustering Model Mockup</a:t>
+              <a:rPr lang="en-US" b="1" dirty="0"/>
+              <a:t>ML Model Mockup</a:t>
             </a:r>
           </a:p>
         </p:txBody>
@@ -3409,6 +3413,13 @@
           <a:bodyPr/>
           <a:lstStyle/>
           <a:p>
+            <a:pPr marL="285750" indent="-285750">
+              <a:spcBef>
+                <a:spcPts val="1800"/>
+              </a:spcBef>
+              <a:buFont typeface="Arial" panose="020B0604020202020204" pitchFamily="34" charset="0"/>
+              <a:buChar char="•"/>
+            </a:pPr>
             <a:r>
               <a:rPr lang="en-US" sz="1800" dirty="0">
                 <a:solidFill>
@@ -3426,7 +3437,7 @@
                 <a:effectLst/>
                 <a:latin typeface="Arial" panose="020B0604020202020204" pitchFamily="34" charset="0"/>
               </a:rPr>
-              <a:t>hrough a </a:t>
+              <a:t>hrough an </a:t>
             </a:r>
             <a:r>
               <a:rPr lang="en-US" sz="1800" b="1" i="0" u="none" strike="noStrike" dirty="0">
@@ -3474,7 +3485,52 @@
               </a:rPr>
               <a:t>or illness seriousness with several health and vaccination features.</a:t>
             </a:r>
-            <a:endParaRPr lang="en-US" dirty="0"/>
+          </a:p>
+          <a:p>
+            <a:pPr marL="285750" indent="-285750">
+              <a:spcBef>
+                <a:spcPts val="1800"/>
+              </a:spcBef>
+              <a:buFont typeface="Arial" panose="020B0604020202020204" pitchFamily="34" charset="0"/>
+              <a:buChar char="•"/>
+            </a:pPr>
+            <a:r>
+              <a:rPr lang="en-US" sz="1800" dirty="0">
+                <a:solidFill>
+                  <a:srgbClr val="000000"/>
+                </a:solidFill>
+                <a:latin typeface="Arial" panose="020B0604020202020204" pitchFamily="34" charset="0"/>
+              </a:rPr>
+              <a:t>With a supervised machine model, </a:t>
+            </a:r>
+            <a:r>
+              <a:rPr lang="en-US" sz="1800" b="1" dirty="0">
+                <a:solidFill>
+                  <a:srgbClr val="000000"/>
+                </a:solidFill>
+                <a:latin typeface="Arial" panose="020B0604020202020204" pitchFamily="34" charset="0"/>
+              </a:rPr>
+              <a:t>Logistic Regression</a:t>
+            </a:r>
+            <a:r>
+              <a:rPr lang="en-US" sz="1800" dirty="0">
+                <a:solidFill>
+                  <a:srgbClr val="000000"/>
+                </a:solidFill>
+                <a:latin typeface="Arial" panose="020B0604020202020204" pitchFamily="34" charset="0"/>
+              </a:rPr>
+              <a:t>, we’ll try to </a:t>
+            </a:r>
+            <a:r>
+              <a:rPr lang="en-US" sz="1800" b="1" dirty="0">
+                <a:solidFill>
+                  <a:srgbClr val="000000"/>
+                </a:solidFill>
+                <a:latin typeface="Arial" panose="020B0604020202020204" pitchFamily="34" charset="0"/>
+              </a:rPr>
+              <a:t>predict the outcome of a COVID patient.</a:t>
+            </a:r>
+            <a:endParaRPr lang="en-US" b="1" dirty="0"/>
           </a:p>
         </p:txBody>
       </p:sp>
@@ -4596,6 +4652,1161 @@
     <p:extLst>
       <p:ext uri="{BB962C8B-B14F-4D97-AF65-F5344CB8AC3E}">
         <p14:creationId xmlns:p14="http://schemas.microsoft.com/office/powerpoint/2010/main" val="2006571208"/>
+      </p:ext>
+    </p:extLst>
+  </p:cSld>
+  <p:clrMapOvr>
+    <a:masterClrMapping/>
+  </p:clrMapOvr>
+</p:sld>
+</file>
+
+<file path=ppt/slides/slide4.xml><?xml version="1.0" encoding="utf-8"?>
+<p:sld xmlns:a="http://schemas.openxmlformats.org/drawingml/2006/main" xmlns:r="http://schemas.openxmlformats.org/officeDocument/2006/relationships" xmlns:p="http://schemas.openxmlformats.org/presentationml/2006/main">
+  <p:cSld>
+    <p:spTree>
+      <p:nvGrpSpPr>
+        <p:cNvPr id="1" name=""/>
+        <p:cNvGrpSpPr/>
+        <p:nvPr/>
+      </p:nvGrpSpPr>
+      <p:grpSpPr>
+        <a:xfrm>
+          <a:off x="0" y="0"/>
+          <a:ext cx="0" cy="0"/>
+          <a:chOff x="0" y="0"/>
+          <a:chExt cx="0" cy="0"/>
+        </a:xfrm>
+      </p:grpSpPr>
+      <p:sp>
+        <p:nvSpPr>
+          <p:cNvPr id="2" name="Título 1">
+            <a:extLst>
+              <a:ext uri="{FF2B5EF4-FFF2-40B4-BE49-F238E27FC236}">
+                <a16:creationId xmlns:a16="http://schemas.microsoft.com/office/drawing/2014/main" id="{07FA3DE3-0D17-4C68-8CD2-A1CFAEA2DB0F}"/>
+              </a:ext>
+            </a:extLst>
+          </p:cNvPr>
+          <p:cNvSpPr>
+            <a:spLocks noGrp="1"/>
+          </p:cNvSpPr>
+          <p:nvPr>
+            <p:ph type="title"/>
+          </p:nvPr>
+        </p:nvSpPr>
+        <p:spPr/>
+        <p:txBody>
+          <a:bodyPr/>
+          <a:lstStyle/>
+          <a:p>
+            <a:r>
+              <a:rPr lang="en-US" b="1" dirty="0">
+                <a:solidFill>
+                  <a:srgbClr val="0070C0"/>
+                </a:solidFill>
+              </a:rPr>
+              <a:t>Classification Roadmap &amp; Mockup</a:t>
+            </a:r>
+          </a:p>
+        </p:txBody>
+      </p:sp>
+      <p:sp>
+        <p:nvSpPr>
+          <p:cNvPr id="8" name="Rectángulo: esquinas redondeadas 7">
+            <a:extLst>
+              <a:ext uri="{FF2B5EF4-FFF2-40B4-BE49-F238E27FC236}">
+                <a16:creationId xmlns:a16="http://schemas.microsoft.com/office/drawing/2014/main" id="{85A6CA2D-C4B3-4CC4-A6C5-BD0CC12F3320}"/>
+              </a:ext>
+            </a:extLst>
+          </p:cNvPr>
+          <p:cNvSpPr/>
+          <p:nvPr/>
+        </p:nvSpPr>
+        <p:spPr>
+          <a:xfrm>
+            <a:off x="871502" y="4024363"/>
+            <a:ext cx="2676174" cy="1770045"/>
+          </a:xfrm>
+          <a:prstGeom prst="roundRect">
+            <a:avLst/>
+          </a:prstGeom>
+          <a:noFill/>
+          <a:ln>
+            <a:noFill/>
+          </a:ln>
+          <a:effectLst/>
+        </p:spPr>
+        <p:style>
+          <a:lnRef idx="2">
+            <a:schemeClr val="accent1">
+              <a:shade val="50000"/>
+            </a:schemeClr>
+          </a:lnRef>
+          <a:fillRef idx="1">
+            <a:schemeClr val="accent1"/>
+          </a:fillRef>
+          <a:effectRef idx="0">
+            <a:schemeClr val="accent1"/>
+          </a:effectRef>
+          <a:fontRef idx="minor">
+            <a:schemeClr val="lt1"/>
+          </a:fontRef>
+        </p:style>
+        <p:txBody>
+          <a:bodyPr rtlCol="0" anchor="t"/>
+          <a:lstStyle/>
+          <a:p>
+            <a:r>
+              <a:rPr lang="en-US" sz="1400" b="1" dirty="0">
+                <a:solidFill>
+                  <a:schemeClr val="tx1"/>
+                </a:solidFill>
+              </a:rPr>
+              <a:t>Additional Data cleaning:</a:t>
+            </a:r>
+          </a:p>
+          <a:p>
+            <a:pPr marL="285750" indent="-285750">
+              <a:buFontTx/>
+              <a:buChar char="-"/>
+            </a:pPr>
+            <a:r>
+              <a:rPr lang="en-US" sz="1400" dirty="0">
+                <a:solidFill>
+                  <a:schemeClr val="tx1"/>
+                </a:solidFill>
+              </a:rPr>
+              <a:t>Fill NA Values in where possible.</a:t>
+            </a:r>
+          </a:p>
+          <a:p>
+            <a:pPr marL="285750" indent="-285750">
+              <a:buFontTx/>
+              <a:buChar char="-"/>
+            </a:pPr>
+            <a:r>
+              <a:rPr lang="en-US" sz="1400" dirty="0">
+                <a:solidFill>
+                  <a:schemeClr val="tx1"/>
+                </a:solidFill>
+              </a:rPr>
+              <a:t>Delete columns where we can’t get any information.</a:t>
+            </a:r>
+          </a:p>
+          <a:p>
+            <a:pPr marL="285750" indent="-285750">
+              <a:buFontTx/>
+              <a:buChar char="-"/>
+            </a:pPr>
+            <a:r>
+              <a:rPr lang="en-US" sz="1400" dirty="0">
+                <a:solidFill>
+                  <a:schemeClr val="tx1"/>
+                </a:solidFill>
+              </a:rPr>
+              <a:t>Transform binary columns to numeric.</a:t>
+            </a:r>
+          </a:p>
+        </p:txBody>
+      </p:sp>
+      <p:sp>
+        <p:nvSpPr>
+          <p:cNvPr id="11" name="Rectángulo: esquinas redondeadas 10">
+            <a:extLst>
+              <a:ext uri="{FF2B5EF4-FFF2-40B4-BE49-F238E27FC236}">
+                <a16:creationId xmlns:a16="http://schemas.microsoft.com/office/drawing/2014/main" id="{5FD5CA7A-1F49-4302-963A-3692901499A8}"/>
+              </a:ext>
+            </a:extLst>
+          </p:cNvPr>
+          <p:cNvSpPr/>
+          <p:nvPr/>
+        </p:nvSpPr>
+        <p:spPr>
+          <a:xfrm>
+            <a:off x="4835999" y="2335499"/>
+            <a:ext cx="2520000" cy="1498548"/>
+          </a:xfrm>
+          <a:prstGeom prst="roundRect">
+            <a:avLst/>
+          </a:prstGeom>
+          <a:solidFill>
+            <a:schemeClr val="bg1">
+              <a:lumMod val="95000"/>
+            </a:schemeClr>
+          </a:solidFill>
+          <a:ln>
+            <a:solidFill>
+              <a:schemeClr val="tx1"/>
+            </a:solidFill>
+          </a:ln>
+          <a:effectLst>
+            <a:outerShdw blurRad="50800" dist="38100" dir="2700000" algn="tl" rotWithShape="0">
+              <a:prstClr val="black">
+                <a:alpha val="40000"/>
+              </a:prstClr>
+            </a:outerShdw>
+          </a:effectLst>
+        </p:spPr>
+        <p:style>
+          <a:lnRef idx="2">
+            <a:schemeClr val="accent1">
+              <a:shade val="50000"/>
+            </a:schemeClr>
+          </a:lnRef>
+          <a:fillRef idx="1">
+            <a:schemeClr val="accent1"/>
+          </a:fillRef>
+          <a:effectRef idx="0">
+            <a:schemeClr val="accent1"/>
+          </a:effectRef>
+          <a:fontRef idx="minor">
+            <a:schemeClr val="lt1"/>
+          </a:fontRef>
+        </p:style>
+        <p:txBody>
+          <a:bodyPr rtlCol="0" anchor="ctr"/>
+          <a:lstStyle/>
+          <a:p>
+            <a:pPr algn="ctr"/>
+            <a:r>
+              <a:rPr lang="en-US" sz="1900" b="1" dirty="0">
+                <a:solidFill>
+                  <a:schemeClr val="tx1"/>
+                </a:solidFill>
+              </a:rPr>
+              <a:t>Split Data, </a:t>
+            </a:r>
+            <a:r>
+              <a:rPr lang="en-US" sz="1900" dirty="0">
+                <a:solidFill>
+                  <a:schemeClr val="tx1"/>
+                </a:solidFill>
+              </a:rPr>
+              <a:t>transform the </a:t>
+            </a:r>
+            <a:r>
+              <a:rPr lang="en-US" sz="1900" i="1" dirty="0">
+                <a:solidFill>
+                  <a:schemeClr val="tx1"/>
+                </a:solidFill>
+              </a:rPr>
+              <a:t>y</a:t>
+            </a:r>
+            <a:r>
+              <a:rPr lang="en-US" sz="1900" dirty="0">
+                <a:solidFill>
+                  <a:schemeClr val="tx1"/>
+                </a:solidFill>
+              </a:rPr>
+              <a:t> array into </a:t>
+            </a:r>
+            <a:r>
+              <a:rPr lang="en-US" sz="1900" dirty="0" err="1">
+                <a:solidFill>
+                  <a:schemeClr val="tx1"/>
+                </a:solidFill>
+              </a:rPr>
+              <a:t>interger</a:t>
+            </a:r>
+            <a:endParaRPr lang="en-US" sz="1900" dirty="0">
+              <a:solidFill>
+                <a:schemeClr val="tx1"/>
+              </a:solidFill>
+            </a:endParaRPr>
+          </a:p>
+        </p:txBody>
+      </p:sp>
+      <p:grpSp>
+        <p:nvGrpSpPr>
+          <p:cNvPr id="4" name="Group 3">
+            <a:extLst>
+              <a:ext uri="{FF2B5EF4-FFF2-40B4-BE49-F238E27FC236}">
+                <a16:creationId xmlns:a16="http://schemas.microsoft.com/office/drawing/2014/main" id="{A1E54F87-C48F-41BC-BB79-7E47A794E5BF}"/>
+              </a:ext>
+            </a:extLst>
+          </p:cNvPr>
+          <p:cNvGrpSpPr/>
+          <p:nvPr/>
+        </p:nvGrpSpPr>
+        <p:grpSpPr>
+          <a:xfrm>
+            <a:off x="838199" y="1446850"/>
+            <a:ext cx="10515600" cy="698334"/>
+            <a:chOff x="690033" y="1446850"/>
+            <a:chExt cx="8640000" cy="698334"/>
+          </a:xfrm>
+        </p:grpSpPr>
+        <p:sp>
+          <p:nvSpPr>
+            <p:cNvPr id="18" name="Flecha: pentágono 17">
+              <a:extLst>
+                <a:ext uri="{FF2B5EF4-FFF2-40B4-BE49-F238E27FC236}">
+                  <a16:creationId xmlns:a16="http://schemas.microsoft.com/office/drawing/2014/main" id="{4AAAAC24-4C4B-4A7C-8550-9545EA240029}"/>
+                </a:ext>
+              </a:extLst>
+            </p:cNvPr>
+            <p:cNvSpPr/>
+            <p:nvPr/>
+          </p:nvSpPr>
+          <p:spPr>
+            <a:xfrm>
+              <a:off x="690033" y="1446850"/>
+              <a:ext cx="8640000" cy="684022"/>
+            </a:xfrm>
+            <a:prstGeom prst="homePlate">
+              <a:avLst/>
+            </a:prstGeom>
+            <a:ln w="76200">
+              <a:solidFill>
+                <a:schemeClr val="bg1"/>
+              </a:solidFill>
+            </a:ln>
+          </p:spPr>
+          <p:style>
+            <a:lnRef idx="2">
+              <a:schemeClr val="accent1">
+                <a:shade val="50000"/>
+              </a:schemeClr>
+            </a:lnRef>
+            <a:fillRef idx="1">
+              <a:schemeClr val="accent1"/>
+            </a:fillRef>
+            <a:effectRef idx="0">
+              <a:schemeClr val="accent1"/>
+            </a:effectRef>
+            <a:fontRef idx="minor">
+              <a:schemeClr val="lt1"/>
+            </a:fontRef>
+          </p:style>
+          <p:txBody>
+            <a:bodyPr rtlCol="0" anchor="ctr"/>
+            <a:lstStyle/>
+            <a:p>
+              <a:pPr algn="ctr"/>
+              <a:endParaRPr lang="es-MX" dirty="0"/>
+            </a:p>
+          </p:txBody>
+        </p:sp>
+        <p:sp>
+          <p:nvSpPr>
+            <p:cNvPr id="19" name="Flecha: pentágono 18">
+              <a:extLst>
+                <a:ext uri="{FF2B5EF4-FFF2-40B4-BE49-F238E27FC236}">
+                  <a16:creationId xmlns:a16="http://schemas.microsoft.com/office/drawing/2014/main" id="{A4D965C9-A954-4A83-975D-92D4051D587B}"/>
+                </a:ext>
+              </a:extLst>
+            </p:cNvPr>
+            <p:cNvSpPr/>
+            <p:nvPr/>
+          </p:nvSpPr>
+          <p:spPr>
+            <a:xfrm>
+              <a:off x="690033" y="1454006"/>
+              <a:ext cx="5760000" cy="684022"/>
+            </a:xfrm>
+            <a:prstGeom prst="homePlate">
+              <a:avLst/>
+            </a:prstGeom>
+            <a:solidFill>
+              <a:schemeClr val="accent1">
+                <a:lumMod val="60000"/>
+                <a:lumOff val="40000"/>
+              </a:schemeClr>
+            </a:solidFill>
+            <a:ln w="76200">
+              <a:solidFill>
+                <a:schemeClr val="bg1"/>
+              </a:solidFill>
+            </a:ln>
+          </p:spPr>
+          <p:style>
+            <a:lnRef idx="2">
+              <a:schemeClr val="accent1">
+                <a:shade val="50000"/>
+              </a:schemeClr>
+            </a:lnRef>
+            <a:fillRef idx="1">
+              <a:schemeClr val="accent1"/>
+            </a:fillRef>
+            <a:effectRef idx="0">
+              <a:schemeClr val="accent1"/>
+            </a:effectRef>
+            <a:fontRef idx="minor">
+              <a:schemeClr val="lt1"/>
+            </a:fontRef>
+          </p:style>
+          <p:txBody>
+            <a:bodyPr rtlCol="0" anchor="ctr"/>
+            <a:lstStyle/>
+            <a:p>
+              <a:pPr algn="ctr"/>
+              <a:endParaRPr lang="es-MX"/>
+            </a:p>
+          </p:txBody>
+        </p:sp>
+        <p:sp>
+          <p:nvSpPr>
+            <p:cNvPr id="20" name="Flecha: pentágono 19">
+              <a:extLst>
+                <a:ext uri="{FF2B5EF4-FFF2-40B4-BE49-F238E27FC236}">
+                  <a16:creationId xmlns:a16="http://schemas.microsoft.com/office/drawing/2014/main" id="{A066FAA2-9E36-45CD-A210-5D28FB1E32C6}"/>
+                </a:ext>
+              </a:extLst>
+            </p:cNvPr>
+            <p:cNvSpPr/>
+            <p:nvPr/>
+          </p:nvSpPr>
+          <p:spPr>
+            <a:xfrm>
+              <a:off x="703476" y="1461162"/>
+              <a:ext cx="2880000" cy="684022"/>
+            </a:xfrm>
+            <a:prstGeom prst="homePlate">
+              <a:avLst/>
+            </a:prstGeom>
+            <a:solidFill>
+              <a:schemeClr val="accent1">
+                <a:lumMod val="20000"/>
+                <a:lumOff val="80000"/>
+              </a:schemeClr>
+            </a:solidFill>
+            <a:ln w="76200">
+              <a:solidFill>
+                <a:schemeClr val="bg1"/>
+              </a:solidFill>
+            </a:ln>
+          </p:spPr>
+          <p:style>
+            <a:lnRef idx="2">
+              <a:schemeClr val="accent1">
+                <a:shade val="50000"/>
+              </a:schemeClr>
+            </a:lnRef>
+            <a:fillRef idx="1">
+              <a:schemeClr val="accent1"/>
+            </a:fillRef>
+            <a:effectRef idx="0">
+              <a:schemeClr val="accent1"/>
+            </a:effectRef>
+            <a:fontRef idx="minor">
+              <a:schemeClr val="lt1"/>
+            </a:fontRef>
+          </p:style>
+          <p:txBody>
+            <a:bodyPr rtlCol="0" anchor="ctr"/>
+            <a:lstStyle/>
+            <a:p>
+              <a:pPr algn="ctr"/>
+              <a:endParaRPr lang="es-MX"/>
+            </a:p>
+          </p:txBody>
+        </p:sp>
+      </p:grpSp>
+      <p:sp>
+        <p:nvSpPr>
+          <p:cNvPr id="21" name="CuadroTexto 20">
+            <a:extLst>
+              <a:ext uri="{FF2B5EF4-FFF2-40B4-BE49-F238E27FC236}">
+                <a16:creationId xmlns:a16="http://schemas.microsoft.com/office/drawing/2014/main" id="{37B76194-8B12-4DC5-BB05-D41B01BEEFC4}"/>
+              </a:ext>
+            </a:extLst>
+          </p:cNvPr>
+          <p:cNvSpPr txBox="1"/>
+          <p:nvPr/>
+        </p:nvSpPr>
+        <p:spPr>
+          <a:xfrm>
+            <a:off x="871502" y="1558028"/>
+            <a:ext cx="2880000" cy="461665"/>
+          </a:xfrm>
+          <a:prstGeom prst="rect">
+            <a:avLst/>
+          </a:prstGeom>
+          <a:noFill/>
+        </p:spPr>
+        <p:txBody>
+          <a:bodyPr wrap="square" rtlCol="0" anchor="ctr">
+            <a:spAutoFit/>
+          </a:bodyPr>
+          <a:lstStyle/>
+          <a:p>
+            <a:pPr algn="ctr"/>
+            <a:r>
+              <a:rPr lang="en-US" sz="2400" b="1" dirty="0"/>
+              <a:t>Load Data</a:t>
+            </a:r>
+          </a:p>
+        </p:txBody>
+      </p:sp>
+      <p:sp>
+        <p:nvSpPr>
+          <p:cNvPr id="22" name="CuadroTexto 21">
+            <a:extLst>
+              <a:ext uri="{FF2B5EF4-FFF2-40B4-BE49-F238E27FC236}">
+                <a16:creationId xmlns:a16="http://schemas.microsoft.com/office/drawing/2014/main" id="{7CB2BEEA-E730-4DEF-8692-53C5C7C3E17E}"/>
+              </a:ext>
+            </a:extLst>
+          </p:cNvPr>
+          <p:cNvSpPr txBox="1"/>
+          <p:nvPr/>
+        </p:nvSpPr>
+        <p:spPr>
+          <a:xfrm>
+            <a:off x="4655999" y="1557590"/>
+            <a:ext cx="2880000" cy="461665"/>
+          </a:xfrm>
+          <a:prstGeom prst="rect">
+            <a:avLst/>
+          </a:prstGeom>
+          <a:noFill/>
+        </p:spPr>
+        <p:txBody>
+          <a:bodyPr wrap="square" rtlCol="0" anchor="ctr">
+            <a:spAutoFit/>
+          </a:bodyPr>
+          <a:lstStyle/>
+          <a:p>
+            <a:pPr algn="ctr"/>
+            <a:r>
+              <a:rPr lang="en-US" sz="2400" b="1" dirty="0"/>
+              <a:t>Process it</a:t>
+            </a:r>
+          </a:p>
+        </p:txBody>
+      </p:sp>
+      <p:sp>
+        <p:nvSpPr>
+          <p:cNvPr id="24" name="CuadroTexto 23">
+            <a:extLst>
+              <a:ext uri="{FF2B5EF4-FFF2-40B4-BE49-F238E27FC236}">
+                <a16:creationId xmlns:a16="http://schemas.microsoft.com/office/drawing/2014/main" id="{D9342DF1-38F9-40F2-ABD1-7C260F63D8B5}"/>
+              </a:ext>
+            </a:extLst>
+          </p:cNvPr>
+          <p:cNvSpPr txBox="1"/>
+          <p:nvPr/>
+        </p:nvSpPr>
+        <p:spPr>
+          <a:xfrm>
+            <a:off x="7832238" y="1557589"/>
+            <a:ext cx="2880000" cy="461665"/>
+          </a:xfrm>
+          <a:prstGeom prst="rect">
+            <a:avLst/>
+          </a:prstGeom>
+          <a:noFill/>
+        </p:spPr>
+        <p:txBody>
+          <a:bodyPr wrap="square" rtlCol="0" anchor="ctr">
+            <a:spAutoFit/>
+          </a:bodyPr>
+          <a:lstStyle/>
+          <a:p>
+            <a:pPr algn="ctr"/>
+            <a:r>
+              <a:rPr lang="en-US" sz="2400" b="1" dirty="0">
+                <a:solidFill>
+                  <a:schemeClr val="bg1"/>
+                </a:solidFill>
+              </a:rPr>
+              <a:t>Output </a:t>
+            </a:r>
+          </a:p>
+        </p:txBody>
+      </p:sp>
+      <p:sp>
+        <p:nvSpPr>
+          <p:cNvPr id="26" name="Rectángulo: esquinas redondeadas 25">
+            <a:extLst>
+              <a:ext uri="{FF2B5EF4-FFF2-40B4-BE49-F238E27FC236}">
+                <a16:creationId xmlns:a16="http://schemas.microsoft.com/office/drawing/2014/main" id="{C8557D82-22BB-4F67-A8F9-4E2FC4EEFF3C}"/>
+              </a:ext>
+            </a:extLst>
+          </p:cNvPr>
+          <p:cNvSpPr/>
+          <p:nvPr/>
+        </p:nvSpPr>
+        <p:spPr>
+          <a:xfrm>
+            <a:off x="8091969" y="2404827"/>
+            <a:ext cx="2520000" cy="1303657"/>
+          </a:xfrm>
+          <a:prstGeom prst="roundRect">
+            <a:avLst/>
+          </a:prstGeom>
+          <a:solidFill>
+            <a:schemeClr val="bg1">
+              <a:lumMod val="95000"/>
+            </a:schemeClr>
+          </a:solidFill>
+          <a:ln>
+            <a:solidFill>
+              <a:schemeClr val="tx1"/>
+            </a:solidFill>
+          </a:ln>
+          <a:effectLst>
+            <a:outerShdw blurRad="50800" dist="38100" dir="2700000" algn="tl" rotWithShape="0">
+              <a:prstClr val="black">
+                <a:alpha val="40000"/>
+              </a:prstClr>
+            </a:outerShdw>
+          </a:effectLst>
+        </p:spPr>
+        <p:style>
+          <a:lnRef idx="2">
+            <a:schemeClr val="accent1">
+              <a:shade val="50000"/>
+            </a:schemeClr>
+          </a:lnRef>
+          <a:fillRef idx="1">
+            <a:schemeClr val="accent1"/>
+          </a:fillRef>
+          <a:effectRef idx="0">
+            <a:schemeClr val="accent1"/>
+          </a:effectRef>
+          <a:fontRef idx="minor">
+            <a:schemeClr val="lt1"/>
+          </a:fontRef>
+        </p:style>
+        <p:txBody>
+          <a:bodyPr rtlCol="0" anchor="ctr"/>
+          <a:lstStyle/>
+          <a:p>
+            <a:pPr algn="ctr"/>
+            <a:r>
+              <a:rPr lang="en-US" sz="1900" b="1" dirty="0" err="1">
+                <a:solidFill>
+                  <a:schemeClr val="tx1"/>
+                </a:solidFill>
+              </a:rPr>
+              <a:t>DataFrame</a:t>
+            </a:r>
+            <a:r>
+              <a:rPr lang="en-US" sz="1900" b="1" dirty="0">
+                <a:solidFill>
+                  <a:schemeClr val="tx1"/>
+                </a:solidFill>
+              </a:rPr>
+              <a:t> </a:t>
+            </a:r>
+            <a:r>
+              <a:rPr lang="en-US" sz="1900" dirty="0">
+                <a:solidFill>
+                  <a:schemeClr val="tx1"/>
+                </a:solidFill>
+              </a:rPr>
+              <a:t>with predicted vs actual values, and a card report</a:t>
+            </a:r>
+          </a:p>
+        </p:txBody>
+      </p:sp>
+      <p:sp>
+        <p:nvSpPr>
+          <p:cNvPr id="27" name="Rectángulo: esquinas redondeadas 10">
+            <a:extLst>
+              <a:ext uri="{FF2B5EF4-FFF2-40B4-BE49-F238E27FC236}">
+                <a16:creationId xmlns:a16="http://schemas.microsoft.com/office/drawing/2014/main" id="{93E3EFD6-4798-4F15-9B53-6C72D3C3821A}"/>
+              </a:ext>
+            </a:extLst>
+          </p:cNvPr>
+          <p:cNvSpPr/>
+          <p:nvPr/>
+        </p:nvSpPr>
+        <p:spPr>
+          <a:xfrm>
+            <a:off x="1051502" y="2348591"/>
+            <a:ext cx="2520000" cy="1359893"/>
+          </a:xfrm>
+          <a:prstGeom prst="roundRect">
+            <a:avLst/>
+          </a:prstGeom>
+          <a:solidFill>
+            <a:schemeClr val="bg1">
+              <a:lumMod val="95000"/>
+            </a:schemeClr>
+          </a:solidFill>
+          <a:ln>
+            <a:solidFill>
+              <a:schemeClr val="tx1"/>
+            </a:solidFill>
+          </a:ln>
+          <a:effectLst>
+            <a:outerShdw blurRad="50800" dist="38100" dir="2700000" algn="tl" rotWithShape="0">
+              <a:prstClr val="black">
+                <a:alpha val="40000"/>
+              </a:prstClr>
+            </a:outerShdw>
+          </a:effectLst>
+        </p:spPr>
+        <p:style>
+          <a:lnRef idx="2">
+            <a:schemeClr val="accent1">
+              <a:shade val="50000"/>
+            </a:schemeClr>
+          </a:lnRef>
+          <a:fillRef idx="1">
+            <a:schemeClr val="accent1"/>
+          </a:fillRef>
+          <a:effectRef idx="0">
+            <a:schemeClr val="accent1"/>
+          </a:effectRef>
+          <a:fontRef idx="minor">
+            <a:schemeClr val="lt1"/>
+          </a:fontRef>
+        </p:style>
+        <p:txBody>
+          <a:bodyPr rtlCol="0" anchor="ctr"/>
+          <a:lstStyle/>
+          <a:p>
+            <a:pPr algn="ctr"/>
+            <a:r>
+              <a:rPr lang="en-US" sz="2000" b="1" dirty="0">
+                <a:solidFill>
+                  <a:schemeClr val="tx1"/>
+                </a:solidFill>
+              </a:rPr>
+              <a:t>COVID-19 case’s </a:t>
+            </a:r>
+            <a:r>
+              <a:rPr lang="en-US" sz="2000" dirty="0">
+                <a:solidFill>
+                  <a:schemeClr val="tx1"/>
+                </a:solidFill>
+              </a:rPr>
+              <a:t>dataset with 6K rows and 116 features.</a:t>
+            </a:r>
+          </a:p>
+        </p:txBody>
+      </p:sp>
+    </p:spTree>
+    <p:extLst>
+      <p:ext uri="{BB962C8B-B14F-4D97-AF65-F5344CB8AC3E}">
+        <p14:creationId xmlns:p14="http://schemas.microsoft.com/office/powerpoint/2010/main" val="279814623"/>
+      </p:ext>
+    </p:extLst>
+  </p:cSld>
+  <p:clrMapOvr>
+    <a:masterClrMapping/>
+  </p:clrMapOvr>
+</p:sld>
+</file>
+
+<file path=ppt/slides/slide5.xml><?xml version="1.0" encoding="utf-8"?>
+<p:sld xmlns:a="http://schemas.openxmlformats.org/drawingml/2006/main" xmlns:r="http://schemas.openxmlformats.org/officeDocument/2006/relationships" xmlns:p="http://schemas.openxmlformats.org/presentationml/2006/main">
+  <p:cSld>
+    <p:spTree>
+      <p:nvGrpSpPr>
+        <p:cNvPr id="1" name=""/>
+        <p:cNvGrpSpPr/>
+        <p:nvPr/>
+      </p:nvGrpSpPr>
+      <p:grpSpPr>
+        <a:xfrm>
+          <a:off x="0" y="0"/>
+          <a:ext cx="0" cy="0"/>
+          <a:chOff x="0" y="0"/>
+          <a:chExt cx="0" cy="0"/>
+        </a:xfrm>
+      </p:grpSpPr>
+      <p:sp>
+        <p:nvSpPr>
+          <p:cNvPr id="2" name="Título 1">
+            <a:extLst>
+              <a:ext uri="{FF2B5EF4-FFF2-40B4-BE49-F238E27FC236}">
+                <a16:creationId xmlns:a16="http://schemas.microsoft.com/office/drawing/2014/main" id="{07FA3DE3-0D17-4C68-8CD2-A1CFAEA2DB0F}"/>
+              </a:ext>
+            </a:extLst>
+          </p:cNvPr>
+          <p:cNvSpPr>
+            <a:spLocks noGrp="1"/>
+          </p:cNvSpPr>
+          <p:nvPr>
+            <p:ph type="title"/>
+          </p:nvPr>
+        </p:nvSpPr>
+        <p:spPr/>
+        <p:txBody>
+          <a:bodyPr/>
+          <a:lstStyle/>
+          <a:p>
+            <a:r>
+              <a:rPr lang="en-US" b="1" dirty="0">
+                <a:solidFill>
+                  <a:srgbClr val="0070C0"/>
+                </a:solidFill>
+              </a:rPr>
+              <a:t>Classification Roadmap &amp; Mockup</a:t>
+            </a:r>
+          </a:p>
+        </p:txBody>
+      </p:sp>
+      <p:sp>
+        <p:nvSpPr>
+          <p:cNvPr id="28" name="CuadroTexto 27">
+            <a:extLst>
+              <a:ext uri="{FF2B5EF4-FFF2-40B4-BE49-F238E27FC236}">
+                <a16:creationId xmlns:a16="http://schemas.microsoft.com/office/drawing/2014/main" id="{4B27709B-F51F-454F-ABFA-6644826A1D75}"/>
+              </a:ext>
+            </a:extLst>
+          </p:cNvPr>
+          <p:cNvSpPr txBox="1"/>
+          <p:nvPr/>
+        </p:nvSpPr>
+        <p:spPr>
+          <a:xfrm>
+            <a:off x="1018760" y="1690688"/>
+            <a:ext cx="4814888" cy="1200329"/>
+          </a:xfrm>
+          <a:prstGeom prst="rect">
+            <a:avLst/>
+          </a:prstGeom>
+          <a:noFill/>
+        </p:spPr>
+        <p:txBody>
+          <a:bodyPr wrap="square" rtlCol="0">
+            <a:spAutoFit/>
+          </a:bodyPr>
+          <a:lstStyle/>
+          <a:p>
+            <a:pPr marL="285750" indent="-285750">
+              <a:buFont typeface="Arial" panose="020B0604020202020204" pitchFamily="34" charset="0"/>
+              <a:buChar char="•"/>
+            </a:pPr>
+            <a:r>
+              <a:rPr lang="en-US" dirty="0"/>
+              <a:t>Processed dataset:</a:t>
+            </a:r>
+            <a:br>
+              <a:rPr lang="en-US" dirty="0"/>
+            </a:br>
+            <a:r>
+              <a:rPr lang="en-US" dirty="0"/>
+              <a:t>(</a:t>
+            </a:r>
+            <a:r>
+              <a:rPr lang="en-US" b="1" dirty="0"/>
+              <a:t>4K data points </a:t>
+            </a:r>
+            <a:r>
+              <a:rPr lang="en-US" dirty="0"/>
+              <a:t>and 56 features)</a:t>
+            </a:r>
+          </a:p>
+          <a:p>
+            <a:pPr marL="285750" indent="-285750">
+              <a:buFont typeface="Arial" panose="020B0604020202020204" pitchFamily="34" charset="0"/>
+              <a:buChar char="•"/>
+            </a:pPr>
+            <a:r>
+              <a:rPr lang="en-US" dirty="0"/>
+              <a:t>ML Model:</a:t>
+            </a:r>
+            <a:br>
+              <a:rPr lang="en-US" dirty="0"/>
+            </a:br>
+            <a:r>
+              <a:rPr lang="en-US" dirty="0"/>
+              <a:t>(</a:t>
+            </a:r>
+            <a:r>
+              <a:rPr lang="en-US" b="1" dirty="0"/>
+              <a:t>Logistic Regression</a:t>
+            </a:r>
+            <a:r>
+              <a:rPr lang="en-US" dirty="0"/>
+              <a:t>)</a:t>
+            </a:r>
+          </a:p>
+        </p:txBody>
+      </p:sp>
+      <p:pic>
+        <p:nvPicPr>
+          <p:cNvPr id="8" name="Picture 7">
+            <a:extLst>
+              <a:ext uri="{FF2B5EF4-FFF2-40B4-BE49-F238E27FC236}">
+                <a16:creationId xmlns:a16="http://schemas.microsoft.com/office/drawing/2014/main" id="{61D9FE72-8697-4A3E-AA01-4CD686557F4F}"/>
+              </a:ext>
+            </a:extLst>
+          </p:cNvPr>
+          <p:cNvPicPr>
+            <a:picLocks noChangeAspect="1"/>
+          </p:cNvPicPr>
+          <p:nvPr/>
+        </p:nvPicPr>
+        <p:blipFill>
+          <a:blip r:embed="rId2"/>
+          <a:stretch>
+            <a:fillRect/>
+          </a:stretch>
+        </p:blipFill>
+        <p:spPr>
+          <a:xfrm>
+            <a:off x="1945106" y="3001651"/>
+            <a:ext cx="1632034" cy="2406774"/>
+          </a:xfrm>
+          <a:prstGeom prst="rect">
+            <a:avLst/>
+          </a:prstGeom>
+        </p:spPr>
+      </p:pic>
+      <p:pic>
+        <p:nvPicPr>
+          <p:cNvPr id="13" name="Picture 12">
+            <a:extLst>
+              <a:ext uri="{FF2B5EF4-FFF2-40B4-BE49-F238E27FC236}">
+                <a16:creationId xmlns:a16="http://schemas.microsoft.com/office/drawing/2014/main" id="{5CEC1AC2-C5B8-4D6A-A491-3191AB4BF1F6}"/>
+              </a:ext>
+            </a:extLst>
+          </p:cNvPr>
+          <p:cNvPicPr>
+            <a:picLocks noChangeAspect="1"/>
+          </p:cNvPicPr>
+          <p:nvPr/>
+        </p:nvPicPr>
+        <p:blipFill>
+          <a:blip r:embed="rId3"/>
+          <a:stretch>
+            <a:fillRect/>
+          </a:stretch>
+        </p:blipFill>
+        <p:spPr>
+          <a:xfrm>
+            <a:off x="7771819" y="2343651"/>
+            <a:ext cx="3303656" cy="1094731"/>
+          </a:xfrm>
+          <a:prstGeom prst="rect">
+            <a:avLst/>
+          </a:prstGeom>
+        </p:spPr>
+      </p:pic>
+      <p:sp>
+        <p:nvSpPr>
+          <p:cNvPr id="14" name="TextBox 13">
+            <a:extLst>
+              <a:ext uri="{FF2B5EF4-FFF2-40B4-BE49-F238E27FC236}">
+                <a16:creationId xmlns:a16="http://schemas.microsoft.com/office/drawing/2014/main" id="{3CFB9534-2277-4753-88C8-F6C993EB80C6}"/>
+              </a:ext>
+            </a:extLst>
+          </p:cNvPr>
+          <p:cNvSpPr txBox="1"/>
+          <p:nvPr/>
+        </p:nvSpPr>
+        <p:spPr>
+          <a:xfrm>
+            <a:off x="5721761" y="1690688"/>
+            <a:ext cx="4311872" cy="369332"/>
+          </a:xfrm>
+          <a:prstGeom prst="rect">
+            <a:avLst/>
+          </a:prstGeom>
+          <a:noFill/>
+        </p:spPr>
+        <p:txBody>
+          <a:bodyPr wrap="square" rtlCol="0">
+            <a:spAutoFit/>
+          </a:bodyPr>
+          <a:lstStyle/>
+          <a:p>
+            <a:r>
+              <a:rPr lang="es-MX" b="1" dirty="0"/>
+              <a:t>Actual </a:t>
+            </a:r>
+            <a:r>
+              <a:rPr lang="es-MX" b="1" dirty="0" err="1"/>
+              <a:t>Predicted</a:t>
+            </a:r>
+            <a:r>
+              <a:rPr lang="es-MX" b="1" dirty="0"/>
+              <a:t> </a:t>
+            </a:r>
+            <a:r>
+              <a:rPr lang="es-MX" b="1" dirty="0" err="1"/>
+              <a:t>Values</a:t>
+            </a:r>
+            <a:r>
+              <a:rPr lang="es-MX" b="1" dirty="0"/>
+              <a:t> and </a:t>
+            </a:r>
+            <a:r>
+              <a:rPr lang="es-MX" b="1" dirty="0" err="1"/>
+              <a:t>Card</a:t>
+            </a:r>
+            <a:r>
+              <a:rPr lang="es-MX" b="1" dirty="0"/>
+              <a:t> </a:t>
+            </a:r>
+            <a:r>
+              <a:rPr lang="es-MX" b="1" dirty="0" err="1"/>
+              <a:t>Report</a:t>
+            </a:r>
+            <a:endParaRPr lang="es-MX" b="1" dirty="0"/>
+          </a:p>
+        </p:txBody>
+      </p:sp>
+      <p:pic>
+        <p:nvPicPr>
+          <p:cNvPr id="16" name="Picture 15">
+            <a:extLst>
+              <a:ext uri="{FF2B5EF4-FFF2-40B4-BE49-F238E27FC236}">
+                <a16:creationId xmlns:a16="http://schemas.microsoft.com/office/drawing/2014/main" id="{D0EB1FD7-451D-43A6-A354-99AFCF6A9779}"/>
+              </a:ext>
+            </a:extLst>
+          </p:cNvPr>
+          <p:cNvPicPr>
+            <a:picLocks noChangeAspect="1"/>
+          </p:cNvPicPr>
+          <p:nvPr/>
+        </p:nvPicPr>
+        <p:blipFill>
+          <a:blip r:embed="rId4"/>
+          <a:stretch>
+            <a:fillRect/>
+          </a:stretch>
+        </p:blipFill>
+        <p:spPr>
+          <a:xfrm>
+            <a:off x="5833648" y="2159737"/>
+            <a:ext cx="1619333" cy="3359323"/>
+          </a:xfrm>
+          <a:prstGeom prst="rect">
+            <a:avLst/>
+          </a:prstGeom>
+        </p:spPr>
+      </p:pic>
+      <p:sp>
+        <p:nvSpPr>
+          <p:cNvPr id="17" name="TextBox 16">
+            <a:extLst>
+              <a:ext uri="{FF2B5EF4-FFF2-40B4-BE49-F238E27FC236}">
+                <a16:creationId xmlns:a16="http://schemas.microsoft.com/office/drawing/2014/main" id="{74DB6686-6F43-4E1F-9AC6-9FF42ED6C887}"/>
+              </a:ext>
+            </a:extLst>
+          </p:cNvPr>
+          <p:cNvSpPr txBox="1"/>
+          <p:nvPr/>
+        </p:nvSpPr>
+        <p:spPr>
+          <a:xfrm>
+            <a:off x="5831778" y="5529081"/>
+            <a:ext cx="1770855" cy="369332"/>
+          </a:xfrm>
+          <a:prstGeom prst="rect">
+            <a:avLst/>
+          </a:prstGeom>
+          <a:noFill/>
+        </p:spPr>
+        <p:txBody>
+          <a:bodyPr wrap="square" rtlCol="0">
+            <a:spAutoFit/>
+          </a:bodyPr>
+          <a:lstStyle/>
+          <a:p>
+            <a:r>
+              <a:rPr lang="es-MX" sz="900" dirty="0" err="1">
+                <a:solidFill>
+                  <a:schemeClr val="bg1">
+                    <a:lumMod val="50000"/>
+                  </a:schemeClr>
+                </a:solidFill>
+              </a:rPr>
+              <a:t>Predicted</a:t>
+            </a:r>
+            <a:r>
+              <a:rPr lang="es-MX" sz="900" dirty="0">
+                <a:solidFill>
+                  <a:schemeClr val="bg1">
+                    <a:lumMod val="50000"/>
+                  </a:schemeClr>
+                </a:solidFill>
+              </a:rPr>
+              <a:t> </a:t>
+            </a:r>
+            <a:r>
+              <a:rPr lang="es-MX" sz="900" dirty="0" err="1">
+                <a:solidFill>
+                  <a:schemeClr val="bg1">
+                    <a:lumMod val="50000"/>
+                  </a:schemeClr>
+                </a:solidFill>
+              </a:rPr>
+              <a:t>Values</a:t>
+            </a:r>
+            <a:r>
+              <a:rPr lang="es-MX" sz="900" dirty="0">
+                <a:solidFill>
+                  <a:schemeClr val="bg1">
+                    <a:lumMod val="50000"/>
+                  </a:schemeClr>
+                </a:solidFill>
+              </a:rPr>
+              <a:t> </a:t>
+            </a:r>
+            <a:r>
+              <a:rPr lang="es-MX" sz="900" dirty="0" err="1">
+                <a:solidFill>
+                  <a:schemeClr val="bg1">
+                    <a:lumMod val="50000"/>
+                  </a:schemeClr>
+                </a:solidFill>
+              </a:rPr>
+              <a:t>for</a:t>
+            </a:r>
+            <a:r>
+              <a:rPr lang="es-MX" sz="900" dirty="0">
+                <a:solidFill>
+                  <a:schemeClr val="bg1">
+                    <a:lumMod val="50000"/>
+                  </a:schemeClr>
+                </a:solidFill>
+              </a:rPr>
+              <a:t> the </a:t>
+            </a:r>
+            <a:r>
+              <a:rPr lang="es-MX" sz="900" dirty="0" err="1">
+                <a:solidFill>
+                  <a:schemeClr val="bg1">
+                    <a:lumMod val="50000"/>
+                  </a:schemeClr>
+                </a:solidFill>
+              </a:rPr>
+              <a:t>X_test</a:t>
+            </a:r>
+            <a:br>
+              <a:rPr lang="es-MX" sz="900" dirty="0">
+                <a:solidFill>
+                  <a:schemeClr val="bg1">
+                    <a:lumMod val="50000"/>
+                  </a:schemeClr>
+                </a:solidFill>
+              </a:rPr>
+            </a:br>
+            <a:r>
+              <a:rPr lang="es-MX" sz="900" dirty="0" err="1">
+                <a:solidFill>
+                  <a:schemeClr val="bg1">
+                    <a:lumMod val="50000"/>
+                  </a:schemeClr>
+                </a:solidFill>
+              </a:rPr>
+              <a:t>Shape</a:t>
+            </a:r>
+            <a:r>
+              <a:rPr lang="es-MX" sz="900" dirty="0">
+                <a:solidFill>
+                  <a:schemeClr val="bg1">
+                    <a:lumMod val="50000"/>
+                  </a:schemeClr>
+                </a:solidFill>
+              </a:rPr>
+              <a:t>: (1343, 56)</a:t>
+            </a:r>
+          </a:p>
+        </p:txBody>
+      </p:sp>
+    </p:spTree>
+    <p:extLst>
+      <p:ext uri="{BB962C8B-B14F-4D97-AF65-F5344CB8AC3E}">
+        <p14:creationId xmlns:p14="http://schemas.microsoft.com/office/powerpoint/2010/main" val="3436000380"/>
       </p:ext>
     </p:extLst>
   </p:cSld>

--- a/Clustering_Model_mockup.pptx
+++ b/Clustering_Model_mockup.pptx
@@ -278,7 +278,7 @@
           <a:p>
             <a:fld id="{FB976BD0-6C01-4959-BC7B-4DCD2E7A8811}" type="datetimeFigureOut">
               <a:rPr lang="es-MX" smtClean="0"/>
-              <a:t>13/02/2022</a:t>
+              <a:t>26/02/2022</a:t>
             </a:fld>
             <a:endParaRPr lang="es-MX"/>
           </a:p>
@@ -332,7 +332,7 @@
           <a:p>
             <a:fld id="{F64559AA-DEBF-42B4-9856-6E28DC35C178}" type="slidenum">
               <a:rPr lang="es-MX" smtClean="0"/>
-              <a:t>‹#›</a:t>
+              <a:t>‹Nº›</a:t>
             </a:fld>
             <a:endParaRPr lang="es-MX"/>
           </a:p>
@@ -478,7 +478,7 @@
           <a:p>
             <a:fld id="{FB976BD0-6C01-4959-BC7B-4DCD2E7A8811}" type="datetimeFigureOut">
               <a:rPr lang="es-MX" smtClean="0"/>
-              <a:t>13/02/2022</a:t>
+              <a:t>26/02/2022</a:t>
             </a:fld>
             <a:endParaRPr lang="es-MX"/>
           </a:p>
@@ -532,7 +532,7 @@
           <a:p>
             <a:fld id="{F64559AA-DEBF-42B4-9856-6E28DC35C178}" type="slidenum">
               <a:rPr lang="es-MX" smtClean="0"/>
-              <a:t>‹#›</a:t>
+              <a:t>‹Nº›</a:t>
             </a:fld>
             <a:endParaRPr lang="es-MX"/>
           </a:p>
@@ -688,7 +688,7 @@
           <a:p>
             <a:fld id="{FB976BD0-6C01-4959-BC7B-4DCD2E7A8811}" type="datetimeFigureOut">
               <a:rPr lang="es-MX" smtClean="0"/>
-              <a:t>13/02/2022</a:t>
+              <a:t>26/02/2022</a:t>
             </a:fld>
             <a:endParaRPr lang="es-MX"/>
           </a:p>
@@ -742,7 +742,7 @@
           <a:p>
             <a:fld id="{F64559AA-DEBF-42B4-9856-6E28DC35C178}" type="slidenum">
               <a:rPr lang="es-MX" smtClean="0"/>
-              <a:t>‹#›</a:t>
+              <a:t>‹Nº›</a:t>
             </a:fld>
             <a:endParaRPr lang="es-MX"/>
           </a:p>
@@ -888,7 +888,7 @@
           <a:p>
             <a:fld id="{FB976BD0-6C01-4959-BC7B-4DCD2E7A8811}" type="datetimeFigureOut">
               <a:rPr lang="es-MX" smtClean="0"/>
-              <a:t>13/02/2022</a:t>
+              <a:t>26/02/2022</a:t>
             </a:fld>
             <a:endParaRPr lang="es-MX"/>
           </a:p>
@@ -942,7 +942,7 @@
           <a:p>
             <a:fld id="{F64559AA-DEBF-42B4-9856-6E28DC35C178}" type="slidenum">
               <a:rPr lang="es-MX" smtClean="0"/>
-              <a:t>‹#›</a:t>
+              <a:t>‹Nº›</a:t>
             </a:fld>
             <a:endParaRPr lang="es-MX"/>
           </a:p>
@@ -1164,7 +1164,7 @@
           <a:p>
             <a:fld id="{FB976BD0-6C01-4959-BC7B-4DCD2E7A8811}" type="datetimeFigureOut">
               <a:rPr lang="es-MX" smtClean="0"/>
-              <a:t>13/02/2022</a:t>
+              <a:t>26/02/2022</a:t>
             </a:fld>
             <a:endParaRPr lang="es-MX"/>
           </a:p>
@@ -1218,7 +1218,7 @@
           <a:p>
             <a:fld id="{F64559AA-DEBF-42B4-9856-6E28DC35C178}" type="slidenum">
               <a:rPr lang="es-MX" smtClean="0"/>
-              <a:t>‹#›</a:t>
+              <a:t>‹Nº›</a:t>
             </a:fld>
             <a:endParaRPr lang="es-MX"/>
           </a:p>
@@ -1432,7 +1432,7 @@
           <a:p>
             <a:fld id="{FB976BD0-6C01-4959-BC7B-4DCD2E7A8811}" type="datetimeFigureOut">
               <a:rPr lang="es-MX" smtClean="0"/>
-              <a:t>13/02/2022</a:t>
+              <a:t>26/02/2022</a:t>
             </a:fld>
             <a:endParaRPr lang="es-MX"/>
           </a:p>
@@ -1486,7 +1486,7 @@
           <a:p>
             <a:fld id="{F64559AA-DEBF-42B4-9856-6E28DC35C178}" type="slidenum">
               <a:rPr lang="es-MX" smtClean="0"/>
-              <a:t>‹#›</a:t>
+              <a:t>‹Nº›</a:t>
             </a:fld>
             <a:endParaRPr lang="es-MX"/>
           </a:p>
@@ -1847,7 +1847,7 @@
           <a:p>
             <a:fld id="{FB976BD0-6C01-4959-BC7B-4DCD2E7A8811}" type="datetimeFigureOut">
               <a:rPr lang="es-MX" smtClean="0"/>
-              <a:t>13/02/2022</a:t>
+              <a:t>26/02/2022</a:t>
             </a:fld>
             <a:endParaRPr lang="es-MX"/>
           </a:p>
@@ -1901,7 +1901,7 @@
           <a:p>
             <a:fld id="{F64559AA-DEBF-42B4-9856-6E28DC35C178}" type="slidenum">
               <a:rPr lang="es-MX" smtClean="0"/>
-              <a:t>‹#›</a:t>
+              <a:t>‹Nº›</a:t>
             </a:fld>
             <a:endParaRPr lang="es-MX"/>
           </a:p>
@@ -1989,7 +1989,7 @@
           <a:p>
             <a:fld id="{FB976BD0-6C01-4959-BC7B-4DCD2E7A8811}" type="datetimeFigureOut">
               <a:rPr lang="es-MX" smtClean="0"/>
-              <a:t>13/02/2022</a:t>
+              <a:t>26/02/2022</a:t>
             </a:fld>
             <a:endParaRPr lang="es-MX"/>
           </a:p>
@@ -2043,7 +2043,7 @@
           <a:p>
             <a:fld id="{F64559AA-DEBF-42B4-9856-6E28DC35C178}" type="slidenum">
               <a:rPr lang="es-MX" smtClean="0"/>
-              <a:t>‹#›</a:t>
+              <a:t>‹Nº›</a:t>
             </a:fld>
             <a:endParaRPr lang="es-MX"/>
           </a:p>
@@ -2102,7 +2102,7 @@
           <a:p>
             <a:fld id="{FB976BD0-6C01-4959-BC7B-4DCD2E7A8811}" type="datetimeFigureOut">
               <a:rPr lang="es-MX" smtClean="0"/>
-              <a:t>13/02/2022</a:t>
+              <a:t>26/02/2022</a:t>
             </a:fld>
             <a:endParaRPr lang="es-MX"/>
           </a:p>
@@ -2156,7 +2156,7 @@
           <a:p>
             <a:fld id="{F64559AA-DEBF-42B4-9856-6E28DC35C178}" type="slidenum">
               <a:rPr lang="es-MX" smtClean="0"/>
-              <a:t>‹#›</a:t>
+              <a:t>‹Nº›</a:t>
             </a:fld>
             <a:endParaRPr lang="es-MX"/>
           </a:p>
@@ -2415,7 +2415,7 @@
           <a:p>
             <a:fld id="{FB976BD0-6C01-4959-BC7B-4DCD2E7A8811}" type="datetimeFigureOut">
               <a:rPr lang="es-MX" smtClean="0"/>
-              <a:t>13/02/2022</a:t>
+              <a:t>26/02/2022</a:t>
             </a:fld>
             <a:endParaRPr lang="es-MX"/>
           </a:p>
@@ -2469,7 +2469,7 @@
           <a:p>
             <a:fld id="{F64559AA-DEBF-42B4-9856-6E28DC35C178}" type="slidenum">
               <a:rPr lang="es-MX" smtClean="0"/>
-              <a:t>‹#›</a:t>
+              <a:t>‹Nº›</a:t>
             </a:fld>
             <a:endParaRPr lang="es-MX"/>
           </a:p>
@@ -2704,7 +2704,7 @@
           <a:p>
             <a:fld id="{FB976BD0-6C01-4959-BC7B-4DCD2E7A8811}" type="datetimeFigureOut">
               <a:rPr lang="es-MX" smtClean="0"/>
-              <a:t>13/02/2022</a:t>
+              <a:t>26/02/2022</a:t>
             </a:fld>
             <a:endParaRPr lang="es-MX"/>
           </a:p>
@@ -2758,7 +2758,7 @@
           <a:p>
             <a:fld id="{F64559AA-DEBF-42B4-9856-6E28DC35C178}" type="slidenum">
               <a:rPr lang="es-MX" smtClean="0"/>
-              <a:t>‹#›</a:t>
+              <a:t>‹Nº›</a:t>
             </a:fld>
             <a:endParaRPr lang="es-MX"/>
           </a:p>
@@ -2947,7 +2947,7 @@
           <a:p>
             <a:fld id="{FB976BD0-6C01-4959-BC7B-4DCD2E7A8811}" type="datetimeFigureOut">
               <a:rPr lang="es-MX" smtClean="0"/>
-              <a:t>13/02/2022</a:t>
+              <a:t>26/02/2022</a:t>
             </a:fld>
             <a:endParaRPr lang="es-MX"/>
           </a:p>
@@ -3037,7 +3037,7 @@
           <a:p>
             <a:fld id="{F64559AA-DEBF-42B4-9856-6E28DC35C178}" type="slidenum">
               <a:rPr lang="es-MX" smtClean="0"/>
-              <a:t>‹#›</a:t>
+              <a:t>‹Nº›</a:t>
             </a:fld>
             <a:endParaRPr lang="es-MX"/>
           </a:p>
@@ -3591,7 +3591,7 @@
                   <a:srgbClr val="0070C0"/>
                 </a:solidFill>
               </a:rPr>
-              <a:t>Clustering Roadmap &amp; Mockup</a:t>
+              <a:t>Clustering Model Roadmap</a:t>
             </a:r>
           </a:p>
         </p:txBody>
@@ -3610,8 +3610,8 @@
         </p:nvSpPr>
         <p:spPr>
           <a:xfrm>
-            <a:off x="1410872" y="2934045"/>
-            <a:ext cx="1744598" cy="1222870"/>
+            <a:off x="1410872" y="3132828"/>
+            <a:ext cx="1744598" cy="1200329"/>
           </a:xfrm>
           <a:prstGeom prst="rect">
             <a:avLst/>
@@ -3630,17 +3630,17 @@
             </a:r>
             <a:r>
               <a:rPr lang="en-US" dirty="0"/>
-              <a:t>dataset with 6K rows and 116 features.</a:t>
-            </a:r>
-          </a:p>
-        </p:txBody>
-      </p:sp>
-      <p:sp>
-        <p:nvSpPr>
-          <p:cNvPr id="8" name="Rectángulo: esquinas redondeadas 7">
-            <a:extLst>
-              <a:ext uri="{FF2B5EF4-FFF2-40B4-BE49-F238E27FC236}">
-                <a16:creationId xmlns:a16="http://schemas.microsoft.com/office/drawing/2014/main" id="{85A6CA2D-C4B3-4CC4-A6C5-BD0CC12F3320}"/>
+              <a:t>dataset with 5.3K and 88 features.</a:t>
+            </a:r>
+          </a:p>
+        </p:txBody>
+      </p:sp>
+      <p:sp>
+        <p:nvSpPr>
+          <p:cNvPr id="11" name="Rectángulo: esquinas redondeadas 10">
+            <a:extLst>
+              <a:ext uri="{FF2B5EF4-FFF2-40B4-BE49-F238E27FC236}">
+                <a16:creationId xmlns:a16="http://schemas.microsoft.com/office/drawing/2014/main" id="{5FD5CA7A-1F49-4302-963A-3692901499A8}"/>
               </a:ext>
             </a:extLst>
           </p:cNvPr>
@@ -3649,120 +3649,7 @@
         </p:nvSpPr>
         <p:spPr>
           <a:xfrm>
-            <a:off x="3571023" y="3807702"/>
-            <a:ext cx="2409782" cy="1471021"/>
-          </a:xfrm>
-          <a:prstGeom prst="roundRect">
-            <a:avLst/>
-          </a:prstGeom>
-          <a:noFill/>
-          <a:ln>
-            <a:noFill/>
-          </a:ln>
-          <a:effectLst/>
-        </p:spPr>
-        <p:style>
-          <a:lnRef idx="2">
-            <a:schemeClr val="accent1">
-              <a:shade val="50000"/>
-            </a:schemeClr>
-          </a:lnRef>
-          <a:fillRef idx="1">
-            <a:schemeClr val="accent1"/>
-          </a:fillRef>
-          <a:effectRef idx="0">
-            <a:schemeClr val="accent1"/>
-          </a:effectRef>
-          <a:fontRef idx="minor">
-            <a:schemeClr val="lt1"/>
-          </a:fontRef>
-        </p:style>
-        <p:txBody>
-          <a:bodyPr rtlCol="0" anchor="t"/>
-          <a:lstStyle/>
-          <a:p>
-            <a:r>
-              <a:rPr lang="en-US" sz="1400" b="1" dirty="0">
-                <a:solidFill>
-                  <a:schemeClr val="tx1"/>
-                </a:solidFill>
-              </a:rPr>
-              <a:t>Data cleaning:</a:t>
-            </a:r>
-          </a:p>
-          <a:p>
-            <a:pPr marL="285750" indent="-285750">
-              <a:buFontTx/>
-              <a:buChar char="-"/>
-            </a:pPr>
-            <a:r>
-              <a:rPr lang="en-US" sz="1400" dirty="0">
-                <a:solidFill>
-                  <a:schemeClr val="tx1"/>
-                </a:solidFill>
-              </a:rPr>
-              <a:t>Non COVID scenarios.</a:t>
-            </a:r>
-          </a:p>
-          <a:p>
-            <a:pPr marL="285750" indent="-285750">
-              <a:buFontTx/>
-              <a:buChar char="-"/>
-            </a:pPr>
-            <a:r>
-              <a:rPr lang="en-US" sz="1400" dirty="0">
-                <a:solidFill>
-                  <a:schemeClr val="tx1"/>
-                </a:solidFill>
-              </a:rPr>
-              <a:t>Nearly empty rows.</a:t>
-            </a:r>
-          </a:p>
-          <a:p>
-            <a:pPr marL="285750" indent="-285750">
-              <a:buFontTx/>
-              <a:buChar char="-"/>
-            </a:pPr>
-            <a:r>
-              <a:rPr lang="en-US" sz="1400" dirty="0">
-                <a:solidFill>
-                  <a:schemeClr val="tx1"/>
-                </a:solidFill>
-              </a:rPr>
-              <a:t>Non relevant features.</a:t>
-            </a:r>
-          </a:p>
-          <a:p>
-            <a:pPr marL="285750" indent="-285750">
-              <a:buFontTx/>
-              <a:buChar char="-"/>
-            </a:pPr>
-            <a:r>
-              <a:rPr lang="en-US" sz="1400" dirty="0">
-                <a:solidFill>
-                  <a:schemeClr val="tx1"/>
-                </a:solidFill>
-              </a:rPr>
-              <a:t>Filling null values, etc.</a:t>
-            </a:r>
-          </a:p>
-        </p:txBody>
-      </p:sp>
-      <p:sp>
-        <p:nvSpPr>
-          <p:cNvPr id="11" name="Rectángulo: esquinas redondeadas 10">
-            <a:extLst>
-              <a:ext uri="{FF2B5EF4-FFF2-40B4-BE49-F238E27FC236}">
-                <a16:creationId xmlns:a16="http://schemas.microsoft.com/office/drawing/2014/main" id="{5FD5CA7A-1F49-4302-963A-3692901499A8}"/>
-              </a:ext>
-            </a:extLst>
-          </p:cNvPr>
-          <p:cNvSpPr/>
-          <p:nvPr/>
-        </p:nvSpPr>
-        <p:spPr>
-          <a:xfrm>
-            <a:off x="3621259" y="2934045"/>
+            <a:off x="3621259" y="3132828"/>
             <a:ext cx="1913206" cy="831453"/>
           </a:xfrm>
           <a:prstGeom prst="roundRect">
@@ -3820,54 +3707,19 @@
       </p:sp>
       <p:sp>
         <p:nvSpPr>
-          <p:cNvPr id="12" name="CuadroTexto 11">
-            <a:extLst>
-              <a:ext uri="{FF2B5EF4-FFF2-40B4-BE49-F238E27FC236}">
-                <a16:creationId xmlns:a16="http://schemas.microsoft.com/office/drawing/2014/main" id="{CD51D583-ACE5-4E0B-A388-04630C2931AE}"/>
-              </a:ext>
-            </a:extLst>
-          </p:cNvPr>
-          <p:cNvSpPr txBox="1"/>
+          <p:cNvPr id="17" name="Flecha: pentágono 16">
+            <a:extLst>
+              <a:ext uri="{FF2B5EF4-FFF2-40B4-BE49-F238E27FC236}">
+                <a16:creationId xmlns:a16="http://schemas.microsoft.com/office/drawing/2014/main" id="{4CA94C0F-E3CF-42A9-AD63-DFF733ED44C0}"/>
+              </a:ext>
+            </a:extLst>
+          </p:cNvPr>
+          <p:cNvSpPr/>
           <p:nvPr/>
         </p:nvSpPr>
         <p:spPr>
           <a:xfrm>
-            <a:off x="6194476" y="3909373"/>
-            <a:ext cx="1913206" cy="523220"/>
-          </a:xfrm>
-          <a:prstGeom prst="rect">
-            <a:avLst/>
-          </a:prstGeom>
-          <a:noFill/>
-        </p:spPr>
-        <p:txBody>
-          <a:bodyPr wrap="square" rtlCol="0">
-            <a:spAutoFit/>
-          </a:bodyPr>
-          <a:lstStyle/>
-          <a:p>
-            <a:r>
-              <a:rPr lang="en-US" sz="1400" dirty="0"/>
-              <a:t>Decreasing features and defining clusters. </a:t>
-            </a:r>
-          </a:p>
-        </p:txBody>
-      </p:sp>
-      <p:sp>
-        <p:nvSpPr>
-          <p:cNvPr id="17" name="Flecha: pentágono 16">
-            <a:extLst>
-              <a:ext uri="{FF2B5EF4-FFF2-40B4-BE49-F238E27FC236}">
-                <a16:creationId xmlns:a16="http://schemas.microsoft.com/office/drawing/2014/main" id="{4CA94C0F-E3CF-42A9-AD63-DFF733ED44C0}"/>
-              </a:ext>
-            </a:extLst>
-          </p:cNvPr>
-          <p:cNvSpPr/>
-          <p:nvPr/>
-        </p:nvSpPr>
-        <p:spPr>
-          <a:xfrm>
-            <a:off x="980660" y="1998735"/>
+            <a:off x="980660" y="1654178"/>
             <a:ext cx="10090614" cy="684022"/>
           </a:xfrm>
           <a:prstGeom prst="homePlate">
@@ -3923,7 +3775,7 @@
         </p:nvSpPr>
         <p:spPr>
           <a:xfrm>
-            <a:off x="1037595" y="1998735"/>
+            <a:off x="1037595" y="1654178"/>
             <a:ext cx="7359748" cy="684022"/>
           </a:xfrm>
           <a:prstGeom prst="homePlate">
@@ -3974,7 +3826,7 @@
         </p:nvSpPr>
         <p:spPr>
           <a:xfrm>
-            <a:off x="945084" y="1998735"/>
+            <a:off x="945084" y="1654178"/>
             <a:ext cx="4921144" cy="684022"/>
           </a:xfrm>
           <a:prstGeom prst="homePlate">
@@ -4031,7 +3883,7 @@
         </p:nvSpPr>
         <p:spPr>
           <a:xfrm>
-            <a:off x="945084" y="1998735"/>
+            <a:off x="945084" y="1654178"/>
             <a:ext cx="2676175" cy="684022"/>
           </a:xfrm>
           <a:prstGeom prst="homePlate">
@@ -4088,7 +3940,7 @@
         </p:nvSpPr>
         <p:spPr>
           <a:xfrm>
-            <a:off x="1430215" y="2109914"/>
+            <a:off x="1430215" y="1765357"/>
             <a:ext cx="1744598" cy="461665"/>
           </a:xfrm>
           <a:prstGeom prst="rect">
@@ -4123,7 +3975,7 @@
         </p:nvSpPr>
         <p:spPr>
           <a:xfrm>
-            <a:off x="3920679" y="2109914"/>
+            <a:off x="3920679" y="1765357"/>
             <a:ext cx="1744598" cy="461665"/>
           </a:xfrm>
           <a:prstGeom prst="rect">
@@ -4158,7 +4010,7 @@
         </p:nvSpPr>
         <p:spPr>
           <a:xfrm>
-            <a:off x="6011592" y="2109914"/>
+            <a:off x="6011592" y="1765357"/>
             <a:ext cx="2301444" cy="461665"/>
           </a:xfrm>
           <a:prstGeom prst="rect">
@@ -4197,7 +4049,7 @@
         </p:nvSpPr>
         <p:spPr>
           <a:xfrm>
-            <a:off x="8775896" y="2109914"/>
+            <a:off x="8775896" y="1765357"/>
             <a:ext cx="2126566" cy="461665"/>
           </a:xfrm>
           <a:prstGeom prst="rect">
@@ -4236,7 +4088,7 @@
         </p:nvSpPr>
         <p:spPr>
           <a:xfrm>
-            <a:off x="6058179" y="2934045"/>
+            <a:off x="6058179" y="3132828"/>
             <a:ext cx="1913206" cy="831453"/>
           </a:xfrm>
           <a:prstGeom prst="roundRect">
@@ -4317,8 +4169,8 @@
         </p:nvSpPr>
         <p:spPr>
           <a:xfrm>
-            <a:off x="8466963" y="2934045"/>
-            <a:ext cx="1913206" cy="1303657"/>
+            <a:off x="8466963" y="3132828"/>
+            <a:ext cx="1913206" cy="1386973"/>
           </a:xfrm>
           <a:prstGeom prst="roundRect">
             <a:avLst/>
@@ -4358,7 +4210,7 @@
           </a:fontRef>
         </p:style>
         <p:txBody>
-          <a:bodyPr rtlCol="0" anchor="ctr"/>
+          <a:bodyPr rtlCol="0" anchor="t"/>
           <a:lstStyle/>
           <a:p>
             <a:pPr algn="ctr"/>
@@ -4379,7 +4231,7 @@
                   <a:schemeClr val="tx1"/>
                 </a:solidFill>
               </a:rPr>
-              <a:t>+Data Analytics</a:t>
+              <a:t>+Visualization</a:t>
             </a:r>
           </a:p>
           <a:p>
@@ -4390,7 +4242,178 @@
                   <a:schemeClr val="tx1"/>
                 </a:solidFill>
               </a:rPr>
-              <a:t>+Visualization</a:t>
+              <a:t>+Logistic Regression</a:t>
+            </a:r>
+          </a:p>
+        </p:txBody>
+      </p:sp>
+      <p:sp>
+        <p:nvSpPr>
+          <p:cNvPr id="27" name="CuadroTexto 26">
+            <a:extLst>
+              <a:ext uri="{FF2B5EF4-FFF2-40B4-BE49-F238E27FC236}">
+                <a16:creationId xmlns:a16="http://schemas.microsoft.com/office/drawing/2014/main" id="{B9F62C82-3180-4901-8BAD-4BF35074DD9C}"/>
+              </a:ext>
+            </a:extLst>
+          </p:cNvPr>
+          <p:cNvSpPr txBox="1"/>
+          <p:nvPr/>
+        </p:nvSpPr>
+        <p:spPr>
+          <a:xfrm>
+            <a:off x="1350703" y="2351885"/>
+            <a:ext cx="1744598" cy="646331"/>
+          </a:xfrm>
+          <a:prstGeom prst="rect">
+            <a:avLst/>
+          </a:prstGeom>
+          <a:noFill/>
+        </p:spPr>
+        <p:txBody>
+          <a:bodyPr wrap="square" rtlCol="0" anchor="t">
+            <a:spAutoFit/>
+          </a:bodyPr>
+          <a:lstStyle/>
+          <a:p>
+            <a:pPr algn="ctr"/>
+            <a:r>
+              <a:rPr lang="en-US" dirty="0">
+                <a:solidFill>
+                  <a:srgbClr val="0070C0"/>
+                </a:solidFill>
+              </a:rPr>
+              <a:t>PostgreSQL</a:t>
+            </a:r>
+          </a:p>
+          <a:p>
+            <a:pPr algn="ctr"/>
+            <a:r>
+              <a:rPr lang="en-US" dirty="0">
+                <a:solidFill>
+                  <a:srgbClr val="0070C0"/>
+                </a:solidFill>
+              </a:rPr>
+              <a:t>&amp; SQL Alchemy</a:t>
+            </a:r>
+          </a:p>
+        </p:txBody>
+      </p:sp>
+      <p:sp>
+        <p:nvSpPr>
+          <p:cNvPr id="29" name="CuadroTexto 28">
+            <a:extLst>
+              <a:ext uri="{FF2B5EF4-FFF2-40B4-BE49-F238E27FC236}">
+                <a16:creationId xmlns:a16="http://schemas.microsoft.com/office/drawing/2014/main" id="{D08521B9-4F35-406C-86B2-F9B3A2360759}"/>
+              </a:ext>
+            </a:extLst>
+          </p:cNvPr>
+          <p:cNvSpPr txBox="1"/>
+          <p:nvPr/>
+        </p:nvSpPr>
+        <p:spPr>
+          <a:xfrm>
+            <a:off x="3789867" y="2351885"/>
+            <a:ext cx="1744598" cy="646331"/>
+          </a:xfrm>
+          <a:prstGeom prst="rect">
+            <a:avLst/>
+          </a:prstGeom>
+          <a:noFill/>
+        </p:spPr>
+        <p:txBody>
+          <a:bodyPr wrap="square" rtlCol="0" anchor="t">
+            <a:spAutoFit/>
+          </a:bodyPr>
+          <a:lstStyle/>
+          <a:p>
+            <a:pPr algn="ctr"/>
+            <a:r>
+              <a:rPr lang="en-US" dirty="0">
+                <a:solidFill>
+                  <a:srgbClr val="0070C0"/>
+                </a:solidFill>
+              </a:rPr>
+              <a:t>Python Pandas &amp; sklearn </a:t>
+            </a:r>
+          </a:p>
+        </p:txBody>
+      </p:sp>
+      <p:sp>
+        <p:nvSpPr>
+          <p:cNvPr id="30" name="CuadroTexto 29">
+            <a:extLst>
+              <a:ext uri="{FF2B5EF4-FFF2-40B4-BE49-F238E27FC236}">
+                <a16:creationId xmlns:a16="http://schemas.microsoft.com/office/drawing/2014/main" id="{2E470323-9802-4F4F-AA01-A7FEC12D1064}"/>
+              </a:ext>
+            </a:extLst>
+          </p:cNvPr>
+          <p:cNvSpPr txBox="1"/>
+          <p:nvPr/>
+        </p:nvSpPr>
+        <p:spPr>
+          <a:xfrm>
+            <a:off x="6142483" y="2351885"/>
+            <a:ext cx="1744598" cy="646331"/>
+          </a:xfrm>
+          <a:prstGeom prst="rect">
+            <a:avLst/>
+          </a:prstGeom>
+          <a:noFill/>
+        </p:spPr>
+        <p:txBody>
+          <a:bodyPr wrap="square" rtlCol="0" anchor="t">
+            <a:spAutoFit/>
+          </a:bodyPr>
+          <a:lstStyle/>
+          <a:p>
+            <a:pPr algn="ctr"/>
+            <a:r>
+              <a:rPr lang="en-US" dirty="0">
+                <a:solidFill>
+                  <a:srgbClr val="0070C0"/>
+                </a:solidFill>
+              </a:rPr>
+              <a:t>Python Pandas &amp; sklearn</a:t>
+            </a:r>
+          </a:p>
+        </p:txBody>
+      </p:sp>
+      <p:sp>
+        <p:nvSpPr>
+          <p:cNvPr id="31" name="CuadroTexto 30">
+            <a:extLst>
+              <a:ext uri="{FF2B5EF4-FFF2-40B4-BE49-F238E27FC236}">
+                <a16:creationId xmlns:a16="http://schemas.microsoft.com/office/drawing/2014/main" id="{63911337-B614-49E3-95CB-83E7C7D9E6A9}"/>
+              </a:ext>
+            </a:extLst>
+          </p:cNvPr>
+          <p:cNvSpPr txBox="1"/>
+          <p:nvPr/>
+        </p:nvSpPr>
+        <p:spPr>
+          <a:xfrm>
+            <a:off x="8738939" y="2351885"/>
+            <a:ext cx="1744598" cy="369332"/>
+          </a:xfrm>
+          <a:prstGeom prst="rect">
+            <a:avLst/>
+          </a:prstGeom>
+          <a:noFill/>
+        </p:spPr>
+        <p:txBody>
+          <a:bodyPr wrap="square" rtlCol="0" anchor="t">
+            <a:spAutoFit/>
+          </a:bodyPr>
+          <a:lstStyle/>
+          <a:p>
+            <a:pPr algn="ctr"/>
+            <a:r>
+              <a:rPr lang="en-US" dirty="0">
+                <a:solidFill>
+                  <a:srgbClr val="0070C0"/>
+                </a:solidFill>
+              </a:rPr>
+              <a:t>Python plotly</a:t>
             </a:r>
           </a:p>
         </p:txBody>
